--- a/Sublime Text.pptx
+++ b/Sublime Text.pptx
@@ -10,9 +10,8 @@
     <p:sldId id="257" r:id="rId4"/>
     <p:sldId id="265" r:id="rId5"/>
     <p:sldId id="259" r:id="rId6"/>
-    <p:sldId id="260" r:id="rId7"/>
-    <p:sldId id="261" r:id="rId8"/>
-    <p:sldId id="264" r:id="rId9"/>
+    <p:sldId id="261" r:id="rId7"/>
+    <p:sldId id="264" r:id="rId8"/>
   </p:sldIdLst>
   <p:sldSz cx="12192000" cy="6858000"/>
   <p:notesSz cx="6858000" cy="9144000"/>
@@ -308,7 +307,7 @@
             <a:fld id="{B61BEF0D-F0BB-DE4B-95CE-6DB70DBA9567}" type="datetimeFigureOut">
               <a:rPr lang="en-US" dirty="0"/>
               <a:pPr/>
-              <a:t>9/2/2014</a:t>
+              <a:t>9/10/2014</a:t>
             </a:fld>
             <a:endParaRPr lang="en-US" dirty="0"/>
           </a:p>
@@ -643,7 +642,7 @@
             <a:fld id="{B61BEF0D-F0BB-DE4B-95CE-6DB70DBA9567}" type="datetimeFigureOut">
               <a:rPr lang="en-US" dirty="0"/>
               <a:pPr/>
-              <a:t>9/2/2014</a:t>
+              <a:t>9/10/2014</a:t>
             </a:fld>
             <a:endParaRPr lang="en-US" dirty="0"/>
           </a:p>
@@ -1041,7 +1040,7 @@
             <a:fld id="{B61BEF0D-F0BB-DE4B-95CE-6DB70DBA9567}" type="datetimeFigureOut">
               <a:rPr lang="en-US" dirty="0"/>
               <a:pPr/>
-              <a:t>9/2/2014</a:t>
+              <a:t>9/10/2014</a:t>
             </a:fld>
             <a:endParaRPr lang="en-US" dirty="0"/>
           </a:p>
@@ -1374,7 +1373,7 @@
             <a:fld id="{B61BEF0D-F0BB-DE4B-95CE-6DB70DBA9567}" type="datetimeFigureOut">
               <a:rPr lang="en-US" dirty="0"/>
               <a:pPr/>
-              <a:t>9/2/2014</a:t>
+              <a:t>9/10/2014</a:t>
             </a:fld>
             <a:endParaRPr lang="en-US" dirty="0"/>
           </a:p>
@@ -1691,7 +1690,7 @@
             <a:fld id="{B61BEF0D-F0BB-DE4B-95CE-6DB70DBA9567}" type="datetimeFigureOut">
               <a:rPr lang="en-US" dirty="0"/>
               <a:pPr/>
-              <a:t>9/2/2014</a:t>
+              <a:t>9/10/2014</a:t>
             </a:fld>
             <a:endParaRPr lang="en-US" dirty="0"/>
           </a:p>
@@ -2084,7 +2083,7 @@
             <a:fld id="{B61BEF0D-F0BB-DE4B-95CE-6DB70DBA9567}" type="datetimeFigureOut">
               <a:rPr lang="en-US" dirty="0"/>
               <a:pPr/>
-              <a:t>9/2/2014</a:t>
+              <a:t>9/10/2014</a:t>
             </a:fld>
             <a:endParaRPr lang="en-US" dirty="0"/>
           </a:p>
@@ -2338,7 +2337,7 @@
             <a:fld id="{B61BEF0D-F0BB-DE4B-95CE-6DB70DBA9567}" type="datetimeFigureOut">
               <a:rPr lang="en-US" dirty="0"/>
               <a:pPr/>
-              <a:t>9/2/2014</a:t>
+              <a:t>9/10/2014</a:t>
             </a:fld>
             <a:endParaRPr lang="en-US" dirty="0"/>
           </a:p>
@@ -2597,7 +2596,7 @@
             <a:fld id="{B61BEF0D-F0BB-DE4B-95CE-6DB70DBA9567}" type="datetimeFigureOut">
               <a:rPr lang="en-US" dirty="0"/>
               <a:pPr/>
-              <a:t>9/2/2014</a:t>
+              <a:t>9/10/2014</a:t>
             </a:fld>
             <a:endParaRPr lang="en-US" dirty="0"/>
           </a:p>
@@ -2856,7 +2855,7 @@
             <a:fld id="{B61BEF0D-F0BB-DE4B-95CE-6DB70DBA9567}" type="datetimeFigureOut">
               <a:rPr lang="en-US" dirty="0"/>
               <a:pPr/>
-              <a:t>9/2/2014</a:t>
+              <a:t>9/10/2014</a:t>
             </a:fld>
             <a:endParaRPr lang="en-US" dirty="0"/>
           </a:p>
@@ -3182,7 +3181,7 @@
             <a:fld id="{B61BEF0D-F0BB-DE4B-95CE-6DB70DBA9567}" type="datetimeFigureOut">
               <a:rPr lang="en-US" dirty="0"/>
               <a:pPr/>
-              <a:t>9/2/2014</a:t>
+              <a:t>9/10/2014</a:t>
             </a:fld>
             <a:endParaRPr lang="en-US" dirty="0"/>
           </a:p>
@@ -3502,7 +3501,7 @@
             <a:fld id="{B61BEF0D-F0BB-DE4B-95CE-6DB70DBA9567}" type="datetimeFigureOut">
               <a:rPr lang="en-US" dirty="0"/>
               <a:pPr/>
-              <a:t>9/2/2014</a:t>
+              <a:t>9/10/2014</a:t>
             </a:fld>
             <a:endParaRPr lang="en-US" dirty="0"/>
           </a:p>
@@ -3956,7 +3955,7 @@
             <a:fld id="{B61BEF0D-F0BB-DE4B-95CE-6DB70DBA9567}" type="datetimeFigureOut">
               <a:rPr lang="en-US" dirty="0"/>
               <a:pPr/>
-              <a:t>9/2/2014</a:t>
+              <a:t>9/10/2014</a:t>
             </a:fld>
             <a:endParaRPr lang="en-US" dirty="0"/>
           </a:p>
@@ -4158,7 +4157,7 @@
             <a:fld id="{B61BEF0D-F0BB-DE4B-95CE-6DB70DBA9567}" type="datetimeFigureOut">
               <a:rPr lang="en-US" dirty="0"/>
               <a:pPr/>
-              <a:t>9/2/2014</a:t>
+              <a:t>9/10/2014</a:t>
             </a:fld>
             <a:endParaRPr lang="en-US" dirty="0"/>
           </a:p>
@@ -4332,7 +4331,7 @@
             <a:fld id="{B61BEF0D-F0BB-DE4B-95CE-6DB70DBA9567}" type="datetimeFigureOut">
               <a:rPr lang="en-US" dirty="0"/>
               <a:pPr/>
-              <a:t>9/2/2014</a:t>
+              <a:t>9/10/2014</a:t>
             </a:fld>
             <a:endParaRPr lang="en-US" dirty="0"/>
           </a:p>
@@ -4662,7 +4661,7 @@
             <a:fld id="{B61BEF0D-F0BB-DE4B-95CE-6DB70DBA9567}" type="datetimeFigureOut">
               <a:rPr lang="en-US" dirty="0"/>
               <a:pPr/>
-              <a:t>9/2/2014</a:t>
+              <a:t>9/10/2014</a:t>
             </a:fld>
             <a:endParaRPr lang="en-US" dirty="0"/>
           </a:p>
@@ -5004,7 +5003,7 @@
             <a:fld id="{B61BEF0D-F0BB-DE4B-95CE-6DB70DBA9567}" type="datetimeFigureOut">
               <a:rPr lang="en-US" dirty="0"/>
               <a:pPr/>
-              <a:t>9/2/2014</a:t>
+              <a:t>9/10/2014</a:t>
             </a:fld>
             <a:endParaRPr lang="en-US" dirty="0"/>
           </a:p>
@@ -7118,7 +7117,7 @@
             <a:fld id="{B61BEF0D-F0BB-DE4B-95CE-6DB70DBA9567}" type="datetimeFigureOut">
               <a:rPr lang="en-US" dirty="0"/>
               <a:pPr/>
-              <a:t>9/2/2014</a:t>
+              <a:t>9/10/2014</a:t>
             </a:fld>
             <a:endParaRPr lang="en-US" dirty="0"/>
           </a:p>
@@ -7924,7 +7923,7 @@
             </a:pPr>
             <a:r>
               <a:rPr lang="pt-BR" dirty="0" smtClean="0"/>
-              <a:t>Motivação</a:t>
+              <a:t>Usabilidade</a:t>
             </a:r>
             <a:endParaRPr lang="pt-BR" dirty="0" smtClean="0"/>
           </a:p>
@@ -7936,9 +7935,8 @@
             </a:pPr>
             <a:r>
               <a:rPr lang="pt-BR" dirty="0" smtClean="0"/>
-              <a:t>Usabilidade</a:t>
-            </a:r>
-            <a:endParaRPr lang="pt-BR" dirty="0" smtClean="0"/>
+              <a:t>Configurações</a:t>
+            </a:r>
           </a:p>
           <a:p>
             <a:pPr>
@@ -7948,8 +7946,9 @@
             </a:pPr>
             <a:r>
               <a:rPr lang="pt-BR" dirty="0" smtClean="0"/>
-              <a:t>Configurações</a:t>
-            </a:r>
+              <a:t>Exemplos</a:t>
+            </a:r>
+            <a:endParaRPr lang="pt-BR" dirty="0" smtClean="0"/>
           </a:p>
           <a:p>
             <a:pPr>
@@ -7959,21 +7958,8 @@
             </a:pPr>
             <a:r>
               <a:rPr lang="pt-BR" dirty="0" smtClean="0"/>
-              <a:t>Exemplo</a:t>
-            </a:r>
-            <a:endParaRPr lang="pt-BR" dirty="0" smtClean="0"/>
-          </a:p>
-          <a:p>
-            <a:pPr>
-              <a:lnSpc>
-                <a:spcPct val="170000"/>
-              </a:lnSpc>
-            </a:pPr>
-            <a:r>
-              <a:rPr lang="pt-BR" dirty="0" smtClean="0"/>
               <a:t>Conclusão</a:t>
             </a:r>
-            <a:endParaRPr lang="pt-BR" dirty="0" smtClean="0"/>
           </a:p>
         </p:txBody>
       </p:sp>
@@ -8052,6 +8038,49 @@
           <a:bodyPr/>
           <a:lstStyle/>
           <a:p>
+            <a:r>
+              <a:rPr lang="pt-BR" dirty="0" smtClean="0"/>
+              <a:t>Um editor de Texto de código fonte </a:t>
+            </a:r>
+            <a:r>
+              <a:rPr lang="pt-BR" dirty="0" err="1" smtClean="0"/>
+              <a:t>multiplata</a:t>
+            </a:r>
+            <a:r>
+              <a:rPr lang="pt-BR" dirty="0" err="1" smtClean="0"/>
+              <a:t>forma</a:t>
+            </a:r>
+            <a:r>
+              <a:rPr lang="pt-BR" dirty="0" smtClean="0"/>
+              <a:t>;</a:t>
+            </a:r>
+          </a:p>
+          <a:p>
+            <a:endParaRPr lang="pt-BR" dirty="0"/>
+          </a:p>
+          <a:p>
+            <a:r>
+              <a:rPr lang="pt-BR" dirty="0" smtClean="0"/>
+              <a:t>Escrito em C++;</a:t>
+            </a:r>
+          </a:p>
+          <a:p>
+            <a:endParaRPr lang="pt-BR" dirty="0"/>
+          </a:p>
+          <a:p>
+            <a:r>
+              <a:rPr lang="pt-BR" dirty="0" smtClean="0"/>
+              <a:t>Permite que vários plug-ins sejam adicionados.</a:t>
+            </a:r>
+          </a:p>
+          <a:p>
+            <a:endParaRPr lang="pt-BR" dirty="0"/>
+          </a:p>
+          <a:p>
+            <a:r>
+              <a:rPr lang="pt-BR" dirty="0" smtClean="0"/>
+              <a:t>Licença;</a:t>
+            </a:r>
             <a:endParaRPr lang="pt-BR" dirty="0"/>
           </a:p>
         </p:txBody>
@@ -8131,7 +8160,64 @@
           <a:bodyPr/>
           <a:lstStyle/>
           <a:p>
-            <a:endParaRPr lang="pt-BR"/>
+            <a:r>
+              <a:rPr lang="pt-BR" dirty="0" smtClean="0"/>
+              <a:t>Apresentar a Usabilidade (Dia a Dia);</a:t>
+            </a:r>
+          </a:p>
+          <a:p>
+            <a:pPr lvl="1"/>
+            <a:r>
+              <a:rPr lang="pt-BR" dirty="0" smtClean="0"/>
+              <a:t>Alguns Atalhos;</a:t>
+            </a:r>
+          </a:p>
+          <a:p>
+            <a:pPr lvl="1"/>
+            <a:r>
+              <a:rPr lang="pt-BR" dirty="0" smtClean="0"/>
+              <a:t>Algumas Ferramentas;</a:t>
+            </a:r>
+          </a:p>
+          <a:p>
+            <a:pPr lvl="1"/>
+            <a:endParaRPr lang="pt-BR" dirty="0" smtClean="0"/>
+          </a:p>
+          <a:p>
+            <a:endParaRPr lang="pt-BR" dirty="0"/>
+          </a:p>
+          <a:p>
+            <a:pPr marL="0" indent="0">
+              <a:buNone/>
+            </a:pPr>
+            <a:endParaRPr lang="pt-BR" dirty="0" smtClean="0"/>
+          </a:p>
+          <a:p>
+            <a:endParaRPr lang="pt-BR" dirty="0"/>
+          </a:p>
+          <a:p>
+            <a:endParaRPr lang="pt-BR" dirty="0" smtClean="0"/>
+          </a:p>
+          <a:p>
+            <a:endParaRPr lang="pt-BR" dirty="0"/>
+          </a:p>
+          <a:p>
+            <a:pPr marL="0" indent="0">
+              <a:buNone/>
+            </a:pPr>
+            <a:endParaRPr lang="pt-BR" dirty="0" smtClean="0"/>
+          </a:p>
+          <a:p>
+            <a:endParaRPr lang="pt-BR" dirty="0"/>
+          </a:p>
+          <a:p>
+            <a:endParaRPr lang="pt-BR" dirty="0" smtClean="0"/>
+          </a:p>
+          <a:p>
+            <a:endParaRPr lang="pt-BR" dirty="0"/>
+          </a:p>
+          <a:p>
+            <a:endParaRPr lang="pt-BR" dirty="0"/>
           </a:p>
         </p:txBody>
       </p:sp>
@@ -8167,78 +8253,6 @@
       </p:grpSpPr>
       <p:sp>
         <p:nvSpPr>
-          <p:cNvPr id="2" name="Título 1"/>
-          <p:cNvSpPr>
-            <a:spLocks noGrp="1"/>
-          </p:cNvSpPr>
-          <p:nvPr>
-            <p:ph type="title"/>
-          </p:nvPr>
-        </p:nvSpPr>
-        <p:spPr/>
-        <p:txBody>
-          <a:bodyPr/>
-          <a:lstStyle/>
-          <a:p>
-            <a:r>
-              <a:rPr lang="pt-BR" dirty="0" smtClean="0"/>
-              <a:t>Motivação</a:t>
-            </a:r>
-            <a:endParaRPr lang="pt-BR" dirty="0"/>
-          </a:p>
-        </p:txBody>
-      </p:sp>
-      <p:sp>
-        <p:nvSpPr>
-          <p:cNvPr id="3" name="Espaço Reservado para Conteúdo 2"/>
-          <p:cNvSpPr>
-            <a:spLocks noGrp="1"/>
-          </p:cNvSpPr>
-          <p:nvPr>
-            <p:ph idx="1"/>
-          </p:nvPr>
-        </p:nvSpPr>
-        <p:spPr/>
-        <p:txBody>
-          <a:bodyPr/>
-          <a:lstStyle/>
-          <a:p>
-            <a:endParaRPr lang="pt-BR" dirty="0"/>
-          </a:p>
-        </p:txBody>
-      </p:sp>
-    </p:spTree>
-    <p:extLst>
-      <p:ext uri="{BB962C8B-B14F-4D97-AF65-F5344CB8AC3E}">
-        <p14:creationId xmlns:p14="http://schemas.microsoft.com/office/powerpoint/2010/main" val="2434458706"/>
-      </p:ext>
-    </p:extLst>
-  </p:cSld>
-  <p:clrMapOvr>
-    <a:masterClrMapping/>
-  </p:clrMapOvr>
-</p:sld>
-</file>
-
-<file path=ppt/slides/slide7.xml><?xml version="1.0" encoding="utf-8"?>
-<p:sld xmlns:a="http://schemas.openxmlformats.org/drawingml/2006/main" xmlns:r="http://schemas.openxmlformats.org/officeDocument/2006/relationships" xmlns:p="http://schemas.openxmlformats.org/presentationml/2006/main">
-  <p:cSld>
-    <p:spTree>
-      <p:nvGrpSpPr>
-        <p:cNvPr id="1" name=""/>
-        <p:cNvGrpSpPr/>
-        <p:nvPr/>
-      </p:nvGrpSpPr>
-      <p:grpSpPr>
-        <a:xfrm>
-          <a:off x="0" y="0"/>
-          <a:ext cx="0" cy="0"/>
-          <a:chOff x="0" y="0"/>
-          <a:chExt cx="0" cy="0"/>
-        </a:xfrm>
-      </p:grpSpPr>
-      <p:sp>
-        <p:nvSpPr>
           <p:cNvPr id="3" name="Espaço Reservado para Conteúdo 2"/>
           <p:cNvSpPr>
             <a:spLocks noGrp="1"/>
@@ -8328,13 +8342,8 @@
           <a:p>
             <a:r>
               <a:rPr lang="pt-BR" dirty="0" smtClean="0"/>
-              <a:t>Live </a:t>
-            </a:r>
-            <a:r>
-              <a:rPr lang="pt-BR" dirty="0" err="1" smtClean="0"/>
-              <a:t>Reload</a:t>
-            </a:r>
-            <a:endParaRPr lang="pt-BR" dirty="0"/>
+              <a:t>Exemplos</a:t>
+            </a:r>
           </a:p>
         </p:txBody>
       </p:sp>
@@ -8380,15 +8389,7 @@
           <a:effectLst>
             <a:reflection blurRad="12700" stA="38000" endPos="28000" dist="5000" dir="5400000" sy="-100000" algn="bl" rotWithShape="0"/>
           </a:effectLst>
-          <a:extLst>
-            <a:ext uri="{909E8E84-426E-40DD-AFC4-6F175D3DCCD1}">
-              <a14:hiddenFill xmlns:a14="http://schemas.microsoft.com/office/drawing/2010/main">
-                <a:solidFill>
-                  <a:srgbClr val="FFFFFF"/>
-                </a:solidFill>
-              </a14:hiddenFill>
-            </a:ext>
-          </a:extLst>
+          <a:extLst/>
         </p:spPr>
       </p:pic>
     </p:spTree>
@@ -8411,7 +8412,7 @@
 </p:sld>
 </file>
 
-<file path=ppt/slides/slide8.xml><?xml version="1.0" encoding="utf-8"?>
+<file path=ppt/slides/slide7.xml><?xml version="1.0" encoding="utf-8"?>
 <p:sld xmlns:a="http://schemas.openxmlformats.org/drawingml/2006/main" xmlns:r="http://schemas.openxmlformats.org/officeDocument/2006/relationships" xmlns:p="http://schemas.openxmlformats.org/presentationml/2006/main">
   <p:cSld>
     <p:spTree>
@@ -8463,10 +8464,77 @@
         </p:nvSpPr>
         <p:spPr/>
         <p:txBody>
-          <a:bodyPr/>
+          <a:bodyPr>
+            <a:normAutofit fontScale="92500" lnSpcReduction="20000"/>
+          </a:bodyPr>
           <a:lstStyle/>
           <a:p>
-            <a:endParaRPr lang="pt-BR"/>
+            <a:r>
+              <a:rPr lang="pt-BR" dirty="0" smtClean="0"/>
+              <a:t>Mais possibilidades: Debug, Live </a:t>
+            </a:r>
+            <a:r>
+              <a:rPr lang="pt-BR" dirty="0" err="1" smtClean="0"/>
+              <a:t>Reload</a:t>
+            </a:r>
+            <a:r>
+              <a:rPr lang="pt-BR" dirty="0" smtClean="0"/>
+              <a:t>, </a:t>
+            </a:r>
+            <a:r>
+              <a:rPr lang="pt-BR" dirty="0" err="1" smtClean="0"/>
+              <a:t>Git</a:t>
+            </a:r>
+            <a:r>
+              <a:rPr lang="pt-BR" dirty="0" smtClean="0"/>
+              <a:t>, entre outros;</a:t>
+            </a:r>
+            <a:endParaRPr lang="pt-BR" dirty="0" smtClean="0"/>
+          </a:p>
+          <a:p>
+            <a:endParaRPr lang="pt-BR" dirty="0" smtClean="0"/>
+          </a:p>
+          <a:p>
+            <a:r>
+              <a:rPr lang="pt-BR" dirty="0" smtClean="0"/>
+              <a:t>Ganho na produtividade;</a:t>
+            </a:r>
+          </a:p>
+          <a:p>
+            <a:endParaRPr lang="pt-BR" dirty="0"/>
+          </a:p>
+          <a:p>
+            <a:r>
+              <a:rPr lang="pt-BR" dirty="0" smtClean="0"/>
+              <a:t>Facilidade para criar estruturas;</a:t>
+            </a:r>
+          </a:p>
+          <a:p>
+            <a:endParaRPr lang="pt-BR" dirty="0"/>
+          </a:p>
+          <a:p>
+            <a:r>
+              <a:rPr lang="pt-BR" dirty="0" smtClean="0"/>
+              <a:t>Rápido;</a:t>
+            </a:r>
+          </a:p>
+          <a:p>
+            <a:endParaRPr lang="pt-BR" dirty="0"/>
+          </a:p>
+          <a:p>
+            <a:r>
+              <a:rPr lang="pt-BR" dirty="0" smtClean="0"/>
+              <a:t>Simples;</a:t>
+            </a:r>
+          </a:p>
+          <a:p>
+            <a:endParaRPr lang="pt-BR" dirty="0"/>
+          </a:p>
+          <a:p>
+            <a:r>
+              <a:rPr lang="pt-BR" dirty="0" smtClean="0"/>
+              <a:t>E pode ser aumentado (adicionando plug-ins), dependendo da necessidade;</a:t>
+            </a:r>
           </a:p>
         </p:txBody>
       </p:sp>
